--- a/other/TCP连接图.pptx
+++ b/other/TCP连接图.pptx
@@ -8,6 +8,7 @@
     <p:sldId id="256" r:id="rId2"/>
     <p:sldId id="257" r:id="rId3"/>
     <p:sldId id="258" r:id="rId4"/>
+    <p:sldId id="259" r:id="rId5"/>
   </p:sldIdLst>
   <p:sldSz cx="9144000" cy="6858000" type="screen4x3"/>
   <p:notesSz cx="6858000" cy="9144000"/>
@@ -291,7 +292,7 @@
             <a:fld id="{1D8BD707-D9CF-40AE-B4C6-C98DA3205C09}" type="datetimeFigureOut">
               <a:rPr lang="en-US" smtClean="0"/>
               <a:pPr/>
-              <a:t>5/16/2020</a:t>
+              <a:t>5/24/2020</a:t>
             </a:fld>
             <a:endParaRPr lang="en-US"/>
           </a:p>
@@ -458,7 +459,7 @@
             <a:fld id="{1D8BD707-D9CF-40AE-B4C6-C98DA3205C09}" type="datetimeFigureOut">
               <a:rPr lang="en-US" smtClean="0"/>
               <a:pPr/>
-              <a:t>5/16/2020</a:t>
+              <a:t>5/24/2020</a:t>
             </a:fld>
             <a:endParaRPr lang="en-US"/>
           </a:p>
@@ -635,7 +636,7 @@
             <a:fld id="{1D8BD707-D9CF-40AE-B4C6-C98DA3205C09}" type="datetimeFigureOut">
               <a:rPr lang="en-US" smtClean="0"/>
               <a:pPr/>
-              <a:t>5/16/2020</a:t>
+              <a:t>5/24/2020</a:t>
             </a:fld>
             <a:endParaRPr lang="en-US"/>
           </a:p>
@@ -802,7 +803,7 @@
             <a:fld id="{1D8BD707-D9CF-40AE-B4C6-C98DA3205C09}" type="datetimeFigureOut">
               <a:rPr lang="en-US" smtClean="0"/>
               <a:pPr/>
-              <a:t>5/16/2020</a:t>
+              <a:t>5/24/2020</a:t>
             </a:fld>
             <a:endParaRPr lang="en-US"/>
           </a:p>
@@ -1045,7 +1046,7 @@
             <a:fld id="{1D8BD707-D9CF-40AE-B4C6-C98DA3205C09}" type="datetimeFigureOut">
               <a:rPr lang="en-US" smtClean="0"/>
               <a:pPr/>
-              <a:t>5/16/2020</a:t>
+              <a:t>5/24/2020</a:t>
             </a:fld>
             <a:endParaRPr lang="en-US"/>
           </a:p>
@@ -1330,7 +1331,7 @@
             <a:fld id="{1D8BD707-D9CF-40AE-B4C6-C98DA3205C09}" type="datetimeFigureOut">
               <a:rPr lang="en-US" smtClean="0"/>
               <a:pPr/>
-              <a:t>5/16/2020</a:t>
+              <a:t>5/24/2020</a:t>
             </a:fld>
             <a:endParaRPr lang="en-US"/>
           </a:p>
@@ -1749,7 +1750,7 @@
             <a:fld id="{1D8BD707-D9CF-40AE-B4C6-C98DA3205C09}" type="datetimeFigureOut">
               <a:rPr lang="en-US" smtClean="0"/>
               <a:pPr/>
-              <a:t>5/16/2020</a:t>
+              <a:t>5/24/2020</a:t>
             </a:fld>
             <a:endParaRPr lang="en-US"/>
           </a:p>
@@ -1864,7 +1865,7 @@
             <a:fld id="{1D8BD707-D9CF-40AE-B4C6-C98DA3205C09}" type="datetimeFigureOut">
               <a:rPr lang="en-US" smtClean="0"/>
               <a:pPr/>
-              <a:t>5/16/2020</a:t>
+              <a:t>5/24/2020</a:t>
             </a:fld>
             <a:endParaRPr lang="en-US"/>
           </a:p>
@@ -1956,7 +1957,7 @@
             <a:fld id="{1D8BD707-D9CF-40AE-B4C6-C98DA3205C09}" type="datetimeFigureOut">
               <a:rPr lang="en-US" smtClean="0"/>
               <a:pPr/>
-              <a:t>5/16/2020</a:t>
+              <a:t>5/24/2020</a:t>
             </a:fld>
             <a:endParaRPr lang="en-US"/>
           </a:p>
@@ -2230,7 +2231,7 @@
             <a:fld id="{1D8BD707-D9CF-40AE-B4C6-C98DA3205C09}" type="datetimeFigureOut">
               <a:rPr lang="en-US" smtClean="0"/>
               <a:pPr/>
-              <a:t>5/16/2020</a:t>
+              <a:t>5/24/2020</a:t>
             </a:fld>
             <a:endParaRPr lang="en-US"/>
           </a:p>
@@ -2480,7 +2481,7 @@
             <a:fld id="{1D8BD707-D9CF-40AE-B4C6-C98DA3205C09}" type="datetimeFigureOut">
               <a:rPr lang="en-US" smtClean="0"/>
               <a:pPr/>
-              <a:t>5/16/2020</a:t>
+              <a:t>5/24/2020</a:t>
             </a:fld>
             <a:endParaRPr lang="en-US"/>
           </a:p>
@@ -2690,7 +2691,7 @@
             <a:fld id="{1D8BD707-D9CF-40AE-B4C6-C98DA3205C09}" type="datetimeFigureOut">
               <a:rPr lang="en-US" smtClean="0"/>
               <a:pPr/>
-              <a:t>5/16/2020</a:t>
+              <a:t>5/24/2020</a:t>
             </a:fld>
             <a:endParaRPr lang="en-US"/>
           </a:p>
@@ -4784,11 +4785,7 @@
           <a:p>
             <a:r>
               <a:rPr lang="zh-CN" altLang="en-US" sz="1200" dirty="0" smtClean="0"/>
-              <a:t>客户</a:t>
-            </a:r>
-            <a:r>
-              <a:rPr lang="zh-CN" altLang="en-US" sz="1200" dirty="0" smtClean="0"/>
-              <a:t>端</a:t>
+              <a:t>客户端</a:t>
             </a:r>
             <a:r>
               <a:rPr lang="en-US" altLang="zh-CN" sz="1200" dirty="0" smtClean="0"/>
@@ -6399,6 +6396,996 @@
 </p:sld>
 </file>
 
+<file path=ppt/slides/slide4.xml><?xml version="1.0" encoding="utf-8"?>
+<p:sld xmlns:a="http://schemas.openxmlformats.org/drawingml/2006/main" xmlns:r="http://schemas.openxmlformats.org/officeDocument/2006/relationships" xmlns:p="http://schemas.openxmlformats.org/presentationml/2006/main">
+  <p:cSld>
+    <p:spTree>
+      <p:nvGrpSpPr>
+        <p:cNvPr id="1" name=""/>
+        <p:cNvGrpSpPr/>
+        <p:nvPr/>
+      </p:nvGrpSpPr>
+      <p:grpSpPr>
+        <a:xfrm>
+          <a:off x="0" y="0"/>
+          <a:ext cx="0" cy="0"/>
+          <a:chOff x="0" y="0"/>
+          <a:chExt cx="0" cy="0"/>
+        </a:xfrm>
+      </p:grpSpPr>
+      <p:graphicFrame>
+        <p:nvGraphicFramePr>
+          <p:cNvPr id="4" name="表格 3"/>
+          <p:cNvGraphicFramePr>
+            <a:graphicFrameLocks noGrp="1"/>
+          </p:cNvGraphicFramePr>
+          <p:nvPr/>
+        </p:nvGraphicFramePr>
+        <p:xfrm>
+          <a:off x="1447800" y="2743200"/>
+          <a:ext cx="3429000" cy="914400"/>
+        </p:xfrm>
+        <a:graphic>
+          <a:graphicData uri="http://schemas.openxmlformats.org/drawingml/2006/table">
+            <a:tbl>
+              <a:tblPr firstRow="1" bandRow="1">
+                <a:tableStyleId>{5C22544A-7EE6-4342-B048-85BDC9FD1C3A}</a:tableStyleId>
+              </a:tblPr>
+              <a:tblGrid>
+                <a:gridCol w="571500"/>
+                <a:gridCol w="571500"/>
+                <a:gridCol w="571500"/>
+                <a:gridCol w="571500"/>
+                <a:gridCol w="571500"/>
+                <a:gridCol w="571500"/>
+              </a:tblGrid>
+              <a:tr h="914400">
+                <a:tc>
+                  <a:txBody>
+                    <a:bodyPr/>
+                    <a:lstStyle/>
+                    <a:p>
+                      <a:endParaRPr lang="zh-CN" altLang="en-US" dirty="0"/>
+                    </a:p>
+                  </a:txBody>
+                  <a:tcPr>
+                    <a:lnL w="12700" cap="flat" cmpd="sng" algn="ctr">
+                      <a:solidFill>
+                        <a:schemeClr val="tx1"/>
+                      </a:solidFill>
+                      <a:prstDash val="solid"/>
+                      <a:round/>
+                      <a:headEnd type="none" w="med" len="med"/>
+                      <a:tailEnd type="none" w="med" len="med"/>
+                    </a:lnL>
+                    <a:lnR w="12700" cap="flat" cmpd="sng" algn="ctr">
+                      <a:solidFill>
+                        <a:schemeClr val="tx1"/>
+                      </a:solidFill>
+                      <a:prstDash val="solid"/>
+                      <a:round/>
+                      <a:headEnd type="none" w="med" len="med"/>
+                      <a:tailEnd type="none" w="med" len="med"/>
+                    </a:lnR>
+                    <a:lnT w="12700" cap="flat" cmpd="sng" algn="ctr">
+                      <a:solidFill>
+                        <a:schemeClr val="tx1"/>
+                      </a:solidFill>
+                      <a:prstDash val="solid"/>
+                      <a:round/>
+                      <a:headEnd type="none" w="med" len="med"/>
+                      <a:tailEnd type="none" w="med" len="med"/>
+                    </a:lnT>
+                    <a:lnB w="12700" cap="flat" cmpd="sng" algn="ctr">
+                      <a:solidFill>
+                        <a:schemeClr val="tx1"/>
+                      </a:solidFill>
+                      <a:prstDash val="solid"/>
+                      <a:round/>
+                      <a:headEnd type="none" w="med" len="med"/>
+                      <a:tailEnd type="none" w="med" len="med"/>
+                    </a:lnB>
+                    <a:solidFill>
+                      <a:schemeClr val="bg1"/>
+                    </a:solidFill>
+                  </a:tcPr>
+                </a:tc>
+                <a:tc>
+                  <a:txBody>
+                    <a:bodyPr/>
+                    <a:lstStyle/>
+                    <a:p>
+                      <a:endParaRPr lang="zh-CN" altLang="en-US"/>
+                    </a:p>
+                  </a:txBody>
+                  <a:tcPr>
+                    <a:lnL w="12700" cap="flat" cmpd="sng" algn="ctr">
+                      <a:solidFill>
+                        <a:schemeClr val="tx1"/>
+                      </a:solidFill>
+                      <a:prstDash val="solid"/>
+                      <a:round/>
+                      <a:headEnd type="none" w="med" len="med"/>
+                      <a:tailEnd type="none" w="med" len="med"/>
+                    </a:lnL>
+                    <a:lnR w="12700" cap="flat" cmpd="sng" algn="ctr">
+                      <a:solidFill>
+                        <a:schemeClr val="tx1"/>
+                      </a:solidFill>
+                      <a:prstDash val="solid"/>
+                      <a:round/>
+                      <a:headEnd type="none" w="med" len="med"/>
+                      <a:tailEnd type="none" w="med" len="med"/>
+                    </a:lnR>
+                    <a:lnT w="12700" cap="flat" cmpd="sng" algn="ctr">
+                      <a:solidFill>
+                        <a:schemeClr val="tx1"/>
+                      </a:solidFill>
+                      <a:prstDash val="solid"/>
+                      <a:round/>
+                      <a:headEnd type="none" w="med" len="med"/>
+                      <a:tailEnd type="none" w="med" len="med"/>
+                    </a:lnT>
+                    <a:lnB w="12700" cap="flat" cmpd="sng" algn="ctr">
+                      <a:solidFill>
+                        <a:schemeClr val="tx1"/>
+                      </a:solidFill>
+                      <a:prstDash val="solid"/>
+                      <a:round/>
+                      <a:headEnd type="none" w="med" len="med"/>
+                      <a:tailEnd type="none" w="med" len="med"/>
+                    </a:lnB>
+                    <a:solidFill>
+                      <a:schemeClr val="bg1"/>
+                    </a:solidFill>
+                  </a:tcPr>
+                </a:tc>
+                <a:tc>
+                  <a:txBody>
+                    <a:bodyPr/>
+                    <a:lstStyle/>
+                    <a:p>
+                      <a:endParaRPr lang="zh-CN" altLang="en-US"/>
+                    </a:p>
+                  </a:txBody>
+                  <a:tcPr>
+                    <a:lnL w="12700" cap="flat" cmpd="sng" algn="ctr">
+                      <a:solidFill>
+                        <a:schemeClr val="tx1"/>
+                      </a:solidFill>
+                      <a:prstDash val="solid"/>
+                      <a:round/>
+                      <a:headEnd type="none" w="med" len="med"/>
+                      <a:tailEnd type="none" w="med" len="med"/>
+                    </a:lnL>
+                    <a:lnR w="12700" cap="flat" cmpd="sng" algn="ctr">
+                      <a:solidFill>
+                        <a:schemeClr val="tx1"/>
+                      </a:solidFill>
+                      <a:prstDash val="solid"/>
+                      <a:round/>
+                      <a:headEnd type="none" w="med" len="med"/>
+                      <a:tailEnd type="none" w="med" len="med"/>
+                    </a:lnR>
+                    <a:lnT w="12700" cap="flat" cmpd="sng" algn="ctr">
+                      <a:solidFill>
+                        <a:schemeClr val="tx1"/>
+                      </a:solidFill>
+                      <a:prstDash val="solid"/>
+                      <a:round/>
+                      <a:headEnd type="none" w="med" len="med"/>
+                      <a:tailEnd type="none" w="med" len="med"/>
+                    </a:lnT>
+                    <a:lnB w="12700" cap="flat" cmpd="sng" algn="ctr">
+                      <a:solidFill>
+                        <a:schemeClr val="tx1"/>
+                      </a:solidFill>
+                      <a:prstDash val="solid"/>
+                      <a:round/>
+                      <a:headEnd type="none" w="med" len="med"/>
+                      <a:tailEnd type="none" w="med" len="med"/>
+                    </a:lnB>
+                    <a:solidFill>
+                      <a:schemeClr val="bg1"/>
+                    </a:solidFill>
+                  </a:tcPr>
+                </a:tc>
+                <a:tc>
+                  <a:txBody>
+                    <a:bodyPr/>
+                    <a:lstStyle/>
+                    <a:p>
+                      <a:endParaRPr lang="zh-CN" altLang="en-US"/>
+                    </a:p>
+                  </a:txBody>
+                  <a:tcPr>
+                    <a:lnL w="12700" cap="flat" cmpd="sng" algn="ctr">
+                      <a:solidFill>
+                        <a:schemeClr val="tx1"/>
+                      </a:solidFill>
+                      <a:prstDash val="solid"/>
+                      <a:round/>
+                      <a:headEnd type="none" w="med" len="med"/>
+                      <a:tailEnd type="none" w="med" len="med"/>
+                    </a:lnL>
+                    <a:lnR w="12700" cap="flat" cmpd="sng" algn="ctr">
+                      <a:solidFill>
+                        <a:schemeClr val="tx1"/>
+                      </a:solidFill>
+                      <a:prstDash val="solid"/>
+                      <a:round/>
+                      <a:headEnd type="none" w="med" len="med"/>
+                      <a:tailEnd type="none" w="med" len="med"/>
+                    </a:lnR>
+                    <a:lnT w="12700" cap="flat" cmpd="sng" algn="ctr">
+                      <a:solidFill>
+                        <a:schemeClr val="tx1"/>
+                      </a:solidFill>
+                      <a:prstDash val="solid"/>
+                      <a:round/>
+                      <a:headEnd type="none" w="med" len="med"/>
+                      <a:tailEnd type="none" w="med" len="med"/>
+                    </a:lnT>
+                    <a:lnB w="12700" cap="flat" cmpd="sng" algn="ctr">
+                      <a:solidFill>
+                        <a:schemeClr val="tx1"/>
+                      </a:solidFill>
+                      <a:prstDash val="solid"/>
+                      <a:round/>
+                      <a:headEnd type="none" w="med" len="med"/>
+                      <a:tailEnd type="none" w="med" len="med"/>
+                    </a:lnB>
+                    <a:solidFill>
+                      <a:schemeClr val="bg1"/>
+                    </a:solidFill>
+                  </a:tcPr>
+                </a:tc>
+                <a:tc>
+                  <a:txBody>
+                    <a:bodyPr/>
+                    <a:lstStyle/>
+                    <a:p>
+                      <a:endParaRPr lang="zh-CN" altLang="en-US"/>
+                    </a:p>
+                  </a:txBody>
+                  <a:tcPr>
+                    <a:lnL w="12700" cap="flat" cmpd="sng" algn="ctr">
+                      <a:solidFill>
+                        <a:schemeClr val="tx1"/>
+                      </a:solidFill>
+                      <a:prstDash val="solid"/>
+                      <a:round/>
+                      <a:headEnd type="none" w="med" len="med"/>
+                      <a:tailEnd type="none" w="med" len="med"/>
+                    </a:lnL>
+                    <a:lnR w="12700" cap="flat" cmpd="sng" algn="ctr">
+                      <a:solidFill>
+                        <a:schemeClr val="tx1"/>
+                      </a:solidFill>
+                      <a:prstDash val="solid"/>
+                      <a:round/>
+                      <a:headEnd type="none" w="med" len="med"/>
+                      <a:tailEnd type="none" w="med" len="med"/>
+                    </a:lnR>
+                    <a:lnT w="12700" cap="flat" cmpd="sng" algn="ctr">
+                      <a:solidFill>
+                        <a:schemeClr val="tx1"/>
+                      </a:solidFill>
+                      <a:prstDash val="solid"/>
+                      <a:round/>
+                      <a:headEnd type="none" w="med" len="med"/>
+                      <a:tailEnd type="none" w="med" len="med"/>
+                    </a:lnT>
+                    <a:lnB w="12700" cap="flat" cmpd="sng" algn="ctr">
+                      <a:solidFill>
+                        <a:schemeClr val="tx1"/>
+                      </a:solidFill>
+                      <a:prstDash val="solid"/>
+                      <a:round/>
+                      <a:headEnd type="none" w="med" len="med"/>
+                      <a:tailEnd type="none" w="med" len="med"/>
+                    </a:lnB>
+                    <a:solidFill>
+                      <a:schemeClr val="bg1"/>
+                    </a:solidFill>
+                  </a:tcPr>
+                </a:tc>
+                <a:tc>
+                  <a:txBody>
+                    <a:bodyPr/>
+                    <a:lstStyle/>
+                    <a:p>
+                      <a:endParaRPr lang="zh-CN" altLang="en-US" dirty="0"/>
+                    </a:p>
+                  </a:txBody>
+                  <a:tcPr>
+                    <a:lnL w="12700" cap="flat" cmpd="sng" algn="ctr">
+                      <a:solidFill>
+                        <a:schemeClr val="tx1"/>
+                      </a:solidFill>
+                      <a:prstDash val="solid"/>
+                      <a:round/>
+                      <a:headEnd type="none" w="med" len="med"/>
+                      <a:tailEnd type="none" w="med" len="med"/>
+                    </a:lnL>
+                    <a:lnR w="12700" cap="flat" cmpd="sng" algn="ctr">
+                      <a:solidFill>
+                        <a:schemeClr val="tx1"/>
+                      </a:solidFill>
+                      <a:prstDash val="solid"/>
+                      <a:round/>
+                      <a:headEnd type="none" w="med" len="med"/>
+                      <a:tailEnd type="none" w="med" len="med"/>
+                    </a:lnR>
+                    <a:lnT w="12700" cap="flat" cmpd="sng" algn="ctr">
+                      <a:solidFill>
+                        <a:schemeClr val="tx1"/>
+                      </a:solidFill>
+                      <a:prstDash val="solid"/>
+                      <a:round/>
+                      <a:headEnd type="none" w="med" len="med"/>
+                      <a:tailEnd type="none" w="med" len="med"/>
+                    </a:lnT>
+                    <a:lnB w="12700" cap="flat" cmpd="sng" algn="ctr">
+                      <a:solidFill>
+                        <a:schemeClr val="tx1"/>
+                      </a:solidFill>
+                      <a:prstDash val="solid"/>
+                      <a:round/>
+                      <a:headEnd type="none" w="med" len="med"/>
+                      <a:tailEnd type="none" w="med" len="med"/>
+                    </a:lnB>
+                    <a:solidFill>
+                      <a:schemeClr val="bg1"/>
+                    </a:solidFill>
+                  </a:tcPr>
+                </a:tc>
+              </a:tr>
+            </a:tbl>
+          </a:graphicData>
+        </a:graphic>
+      </p:graphicFrame>
+      <p:cxnSp>
+        <p:nvCxnSpPr>
+          <p:cNvPr id="6" name="直接箭头连接符 5"/>
+          <p:cNvCxnSpPr/>
+          <p:nvPr/>
+        </p:nvCxnSpPr>
+        <p:spPr>
+          <a:xfrm>
+            <a:off x="304800" y="3200400"/>
+            <a:ext cx="990600" cy="0"/>
+          </a:xfrm>
+          <a:prstGeom prst="straightConnector1">
+            <a:avLst/>
+          </a:prstGeom>
+          <a:ln>
+            <a:tailEnd type="arrow"/>
+          </a:ln>
+        </p:spPr>
+        <p:style>
+          <a:lnRef idx="1">
+            <a:schemeClr val="dk1"/>
+          </a:lnRef>
+          <a:fillRef idx="0">
+            <a:schemeClr val="dk1"/>
+          </a:fillRef>
+          <a:effectRef idx="0">
+            <a:schemeClr val="dk1"/>
+          </a:effectRef>
+          <a:fontRef idx="minor">
+            <a:schemeClr val="tx1"/>
+          </a:fontRef>
+        </p:style>
+      </p:cxnSp>
+      <p:sp>
+        <p:nvSpPr>
+          <p:cNvPr id="19" name="矩形 18"/>
+          <p:cNvSpPr/>
+          <p:nvPr/>
+        </p:nvSpPr>
+        <p:spPr>
+          <a:xfrm>
+            <a:off x="5791200" y="1676400"/>
+            <a:ext cx="990600" cy="2971800"/>
+          </a:xfrm>
+          <a:prstGeom prst="rect">
+            <a:avLst/>
+          </a:prstGeom>
+          <a:solidFill>
+            <a:schemeClr val="bg1"/>
+          </a:solidFill>
+          <a:ln w="3175"/>
+        </p:spPr>
+        <p:style>
+          <a:lnRef idx="2">
+            <a:schemeClr val="dk1">
+              <a:shade val="50000"/>
+            </a:schemeClr>
+          </a:lnRef>
+          <a:fillRef idx="1">
+            <a:schemeClr val="dk1"/>
+          </a:fillRef>
+          <a:effectRef idx="0">
+            <a:schemeClr val="dk1"/>
+          </a:effectRef>
+          <a:fontRef idx="minor">
+            <a:schemeClr val="lt1"/>
+          </a:fontRef>
+        </p:style>
+        <p:txBody>
+          <a:bodyPr rtlCol="0" anchor="ctr"/>
+          <a:lstStyle/>
+          <a:p>
+            <a:pPr algn="ctr"/>
+            <a:endParaRPr lang="zh-CN" altLang="en-US"/>
+          </a:p>
+        </p:txBody>
+      </p:sp>
+      <p:sp>
+        <p:nvSpPr>
+          <p:cNvPr id="23" name="矩形 22"/>
+          <p:cNvSpPr/>
+          <p:nvPr/>
+        </p:nvSpPr>
+        <p:spPr>
+          <a:xfrm>
+            <a:off x="5943600" y="1905000"/>
+            <a:ext cx="685800" cy="381000"/>
+          </a:xfrm>
+          <a:prstGeom prst="rect">
+            <a:avLst/>
+          </a:prstGeom>
+          <a:solidFill>
+            <a:schemeClr val="bg1"/>
+          </a:solidFill>
+          <a:ln w="3175"/>
+        </p:spPr>
+        <p:style>
+          <a:lnRef idx="2">
+            <a:schemeClr val="dk1">
+              <a:shade val="50000"/>
+            </a:schemeClr>
+          </a:lnRef>
+          <a:fillRef idx="1">
+            <a:schemeClr val="dk1"/>
+          </a:fillRef>
+          <a:effectRef idx="0">
+            <a:schemeClr val="dk1"/>
+          </a:effectRef>
+          <a:fontRef idx="minor">
+            <a:schemeClr val="lt1"/>
+          </a:fontRef>
+        </p:style>
+        <p:txBody>
+          <a:bodyPr rtlCol="0" anchor="ctr"/>
+          <a:lstStyle/>
+          <a:p>
+            <a:pPr algn="ctr"/>
+            <a:r>
+              <a:rPr lang="en-US" altLang="zh-CN" dirty="0" smtClean="0">
+                <a:solidFill>
+                  <a:schemeClr val="tx1"/>
+                </a:solidFill>
+              </a:rPr>
+              <a:t>1#</a:t>
+            </a:r>
+            <a:endParaRPr lang="zh-CN" altLang="en-US" dirty="0">
+              <a:solidFill>
+                <a:schemeClr val="tx1"/>
+              </a:solidFill>
+            </a:endParaRPr>
+          </a:p>
+        </p:txBody>
+      </p:sp>
+      <p:sp>
+        <p:nvSpPr>
+          <p:cNvPr id="24" name="矩形 23"/>
+          <p:cNvSpPr/>
+          <p:nvPr/>
+        </p:nvSpPr>
+        <p:spPr>
+          <a:xfrm>
+            <a:off x="5943600" y="2667000"/>
+            <a:ext cx="685800" cy="381000"/>
+          </a:xfrm>
+          <a:prstGeom prst="rect">
+            <a:avLst/>
+          </a:prstGeom>
+          <a:solidFill>
+            <a:schemeClr val="bg1"/>
+          </a:solidFill>
+          <a:ln w="3175"/>
+        </p:spPr>
+        <p:style>
+          <a:lnRef idx="2">
+            <a:schemeClr val="dk1">
+              <a:shade val="50000"/>
+            </a:schemeClr>
+          </a:lnRef>
+          <a:fillRef idx="1">
+            <a:schemeClr val="dk1"/>
+          </a:fillRef>
+          <a:effectRef idx="0">
+            <a:schemeClr val="dk1"/>
+          </a:effectRef>
+          <a:fontRef idx="minor">
+            <a:schemeClr val="lt1"/>
+          </a:fontRef>
+        </p:style>
+        <p:txBody>
+          <a:bodyPr rtlCol="0" anchor="ctr"/>
+          <a:lstStyle/>
+          <a:p>
+            <a:pPr algn="ctr"/>
+            <a:r>
+              <a:rPr lang="en-US" altLang="zh-CN" dirty="0" smtClean="0">
+                <a:solidFill>
+                  <a:schemeClr val="tx1"/>
+                </a:solidFill>
+              </a:rPr>
+              <a:t>2#</a:t>
+            </a:r>
+            <a:endParaRPr lang="zh-CN" altLang="en-US" dirty="0">
+              <a:solidFill>
+                <a:schemeClr val="tx1"/>
+              </a:solidFill>
+            </a:endParaRPr>
+          </a:p>
+        </p:txBody>
+      </p:sp>
+      <p:sp>
+        <p:nvSpPr>
+          <p:cNvPr id="25" name="矩形 24"/>
+          <p:cNvSpPr/>
+          <p:nvPr/>
+        </p:nvSpPr>
+        <p:spPr>
+          <a:xfrm>
+            <a:off x="5943600" y="3352800"/>
+            <a:ext cx="685800" cy="381000"/>
+          </a:xfrm>
+          <a:prstGeom prst="rect">
+            <a:avLst/>
+          </a:prstGeom>
+          <a:solidFill>
+            <a:schemeClr val="bg1"/>
+          </a:solidFill>
+          <a:ln w="3175"/>
+        </p:spPr>
+        <p:style>
+          <a:lnRef idx="2">
+            <a:schemeClr val="dk1">
+              <a:shade val="50000"/>
+            </a:schemeClr>
+          </a:lnRef>
+          <a:fillRef idx="1">
+            <a:schemeClr val="dk1"/>
+          </a:fillRef>
+          <a:effectRef idx="0">
+            <a:schemeClr val="dk1"/>
+          </a:effectRef>
+          <a:fontRef idx="minor">
+            <a:schemeClr val="lt1"/>
+          </a:fontRef>
+        </p:style>
+        <p:txBody>
+          <a:bodyPr rtlCol="0" anchor="ctr"/>
+          <a:lstStyle/>
+          <a:p>
+            <a:pPr algn="ctr"/>
+            <a:r>
+              <a:rPr lang="en-US" altLang="zh-CN" dirty="0" smtClean="0">
+                <a:solidFill>
+                  <a:schemeClr val="tx1"/>
+                </a:solidFill>
+              </a:rPr>
+              <a:t>3#</a:t>
+            </a:r>
+            <a:endParaRPr lang="zh-CN" altLang="en-US" dirty="0">
+              <a:solidFill>
+                <a:schemeClr val="tx1"/>
+              </a:solidFill>
+            </a:endParaRPr>
+          </a:p>
+        </p:txBody>
+      </p:sp>
+      <p:sp>
+        <p:nvSpPr>
+          <p:cNvPr id="26" name="矩形 25"/>
+          <p:cNvSpPr/>
+          <p:nvPr/>
+        </p:nvSpPr>
+        <p:spPr>
+          <a:xfrm>
+            <a:off x="5943600" y="4038600"/>
+            <a:ext cx="685800" cy="381000"/>
+          </a:xfrm>
+          <a:prstGeom prst="rect">
+            <a:avLst/>
+          </a:prstGeom>
+          <a:solidFill>
+            <a:schemeClr val="bg1"/>
+          </a:solidFill>
+          <a:ln w="3175"/>
+        </p:spPr>
+        <p:style>
+          <a:lnRef idx="2">
+            <a:schemeClr val="dk1">
+              <a:shade val="50000"/>
+            </a:schemeClr>
+          </a:lnRef>
+          <a:fillRef idx="1">
+            <a:schemeClr val="dk1"/>
+          </a:fillRef>
+          <a:effectRef idx="0">
+            <a:schemeClr val="dk1"/>
+          </a:effectRef>
+          <a:fontRef idx="minor">
+            <a:schemeClr val="lt1"/>
+          </a:fontRef>
+        </p:style>
+        <p:txBody>
+          <a:bodyPr rtlCol="0" anchor="ctr"/>
+          <a:lstStyle/>
+          <a:p>
+            <a:pPr algn="ctr"/>
+            <a:r>
+              <a:rPr lang="en-US" altLang="zh-CN" dirty="0" smtClean="0">
+                <a:solidFill>
+                  <a:schemeClr val="tx1"/>
+                </a:solidFill>
+              </a:rPr>
+              <a:t>4#</a:t>
+            </a:r>
+            <a:endParaRPr lang="zh-CN" altLang="en-US" dirty="0">
+              <a:solidFill>
+                <a:schemeClr val="tx1"/>
+              </a:solidFill>
+            </a:endParaRPr>
+          </a:p>
+        </p:txBody>
+      </p:sp>
+      <p:cxnSp>
+        <p:nvCxnSpPr>
+          <p:cNvPr id="28" name="直接箭头连接符 27"/>
+          <p:cNvCxnSpPr/>
+          <p:nvPr/>
+        </p:nvCxnSpPr>
+        <p:spPr>
+          <a:xfrm flipV="1">
+            <a:off x="4953000" y="2286000"/>
+            <a:ext cx="762000" cy="609600"/>
+          </a:xfrm>
+          <a:prstGeom prst="straightConnector1">
+            <a:avLst/>
+          </a:prstGeom>
+          <a:ln>
+            <a:tailEnd type="arrow"/>
+          </a:ln>
+        </p:spPr>
+        <p:style>
+          <a:lnRef idx="1">
+            <a:schemeClr val="dk1"/>
+          </a:lnRef>
+          <a:fillRef idx="0">
+            <a:schemeClr val="dk1"/>
+          </a:fillRef>
+          <a:effectRef idx="0">
+            <a:schemeClr val="dk1"/>
+          </a:effectRef>
+          <a:fontRef idx="minor">
+            <a:schemeClr val="tx1"/>
+          </a:fontRef>
+        </p:style>
+      </p:cxnSp>
+      <p:cxnSp>
+        <p:nvCxnSpPr>
+          <p:cNvPr id="30" name="直接箭头连接符 29"/>
+          <p:cNvCxnSpPr/>
+          <p:nvPr/>
+        </p:nvCxnSpPr>
+        <p:spPr>
+          <a:xfrm flipV="1">
+            <a:off x="5029200" y="2971800"/>
+            <a:ext cx="609600" cy="152400"/>
+          </a:xfrm>
+          <a:prstGeom prst="straightConnector1">
+            <a:avLst/>
+          </a:prstGeom>
+          <a:ln>
+            <a:tailEnd type="arrow"/>
+          </a:ln>
+        </p:spPr>
+        <p:style>
+          <a:lnRef idx="1">
+            <a:schemeClr val="dk1"/>
+          </a:lnRef>
+          <a:fillRef idx="0">
+            <a:schemeClr val="dk1"/>
+          </a:fillRef>
+          <a:effectRef idx="0">
+            <a:schemeClr val="dk1"/>
+          </a:effectRef>
+          <a:fontRef idx="minor">
+            <a:schemeClr val="tx1"/>
+          </a:fontRef>
+        </p:style>
+      </p:cxnSp>
+      <p:cxnSp>
+        <p:nvCxnSpPr>
+          <p:cNvPr id="32" name="直接箭头连接符 31"/>
+          <p:cNvCxnSpPr/>
+          <p:nvPr/>
+        </p:nvCxnSpPr>
+        <p:spPr>
+          <a:xfrm>
+            <a:off x="5029200" y="3352800"/>
+            <a:ext cx="609600" cy="152400"/>
+          </a:xfrm>
+          <a:prstGeom prst="straightConnector1">
+            <a:avLst/>
+          </a:prstGeom>
+          <a:ln>
+            <a:tailEnd type="arrow"/>
+          </a:ln>
+        </p:spPr>
+        <p:style>
+          <a:lnRef idx="1">
+            <a:schemeClr val="dk1"/>
+          </a:lnRef>
+          <a:fillRef idx="0">
+            <a:schemeClr val="dk1"/>
+          </a:fillRef>
+          <a:effectRef idx="0">
+            <a:schemeClr val="dk1"/>
+          </a:effectRef>
+          <a:fontRef idx="minor">
+            <a:schemeClr val="tx1"/>
+          </a:fontRef>
+        </p:style>
+      </p:cxnSp>
+      <p:cxnSp>
+        <p:nvCxnSpPr>
+          <p:cNvPr id="34" name="直接箭头连接符 33"/>
+          <p:cNvCxnSpPr/>
+          <p:nvPr/>
+        </p:nvCxnSpPr>
+        <p:spPr>
+          <a:xfrm>
+            <a:off x="5029200" y="3581400"/>
+            <a:ext cx="685800" cy="609600"/>
+          </a:xfrm>
+          <a:prstGeom prst="straightConnector1">
+            <a:avLst/>
+          </a:prstGeom>
+          <a:ln>
+            <a:tailEnd type="arrow"/>
+          </a:ln>
+        </p:spPr>
+        <p:style>
+          <a:lnRef idx="1">
+            <a:schemeClr val="dk1"/>
+          </a:lnRef>
+          <a:fillRef idx="0">
+            <a:schemeClr val="dk1"/>
+          </a:fillRef>
+          <a:effectRef idx="0">
+            <a:schemeClr val="dk1"/>
+          </a:effectRef>
+          <a:fontRef idx="minor">
+            <a:schemeClr val="tx1"/>
+          </a:fontRef>
+        </p:style>
+      </p:cxnSp>
+      <p:sp>
+        <p:nvSpPr>
+          <p:cNvPr id="35" name="TextBox 34"/>
+          <p:cNvSpPr txBox="1"/>
+          <p:nvPr/>
+        </p:nvSpPr>
+        <p:spPr>
+          <a:xfrm>
+            <a:off x="5867400" y="1066800"/>
+            <a:ext cx="922047" cy="369332"/>
+          </a:xfrm>
+          <a:prstGeom prst="rect">
+            <a:avLst/>
+          </a:prstGeom>
+          <a:noFill/>
+        </p:spPr>
+        <p:txBody>
+          <a:bodyPr wrap="none" rtlCol="0">
+            <a:spAutoFit/>
+          </a:bodyPr>
+          <a:lstStyle/>
+          <a:p>
+            <a:r>
+              <a:rPr lang="en-US" altLang="zh-CN" dirty="0" smtClean="0"/>
+              <a:t>4</a:t>
+            </a:r>
+            <a:r>
+              <a:rPr lang="zh-CN" altLang="en-US" dirty="0" smtClean="0"/>
+              <a:t>核</a:t>
+            </a:r>
+            <a:r>
+              <a:rPr lang="en-US" altLang="zh-CN" dirty="0" smtClean="0"/>
+              <a:t>CPU</a:t>
+            </a:r>
+            <a:endParaRPr lang="zh-CN" altLang="en-US" dirty="0"/>
+          </a:p>
+        </p:txBody>
+      </p:sp>
+      <p:sp>
+        <p:nvSpPr>
+          <p:cNvPr id="36" name="TextBox 35"/>
+          <p:cNvSpPr txBox="1"/>
+          <p:nvPr/>
+        </p:nvSpPr>
+        <p:spPr>
+          <a:xfrm>
+            <a:off x="2590800" y="2133600"/>
+            <a:ext cx="1266309" cy="369332"/>
+          </a:xfrm>
+          <a:prstGeom prst="rect">
+            <a:avLst/>
+          </a:prstGeom>
+          <a:noFill/>
+        </p:spPr>
+        <p:txBody>
+          <a:bodyPr wrap="none" rtlCol="0">
+            <a:spAutoFit/>
+          </a:bodyPr>
+          <a:lstStyle/>
+          <a:p>
+            <a:r>
+              <a:rPr lang="en-US" altLang="zh-CN" dirty="0" smtClean="0"/>
+              <a:t>Task Queue</a:t>
+            </a:r>
+            <a:endParaRPr lang="zh-CN" altLang="en-US" dirty="0"/>
+          </a:p>
+        </p:txBody>
+      </p:sp>
+      <p:cxnSp>
+        <p:nvCxnSpPr>
+          <p:cNvPr id="37" name="直接箭头连接符 36"/>
+          <p:cNvCxnSpPr/>
+          <p:nvPr/>
+        </p:nvCxnSpPr>
+        <p:spPr>
+          <a:xfrm>
+            <a:off x="7010400" y="2057400"/>
+            <a:ext cx="990600" cy="0"/>
+          </a:xfrm>
+          <a:prstGeom prst="straightConnector1">
+            <a:avLst/>
+          </a:prstGeom>
+          <a:ln>
+            <a:tailEnd type="arrow"/>
+          </a:ln>
+        </p:spPr>
+        <p:style>
+          <a:lnRef idx="1">
+            <a:schemeClr val="dk1"/>
+          </a:lnRef>
+          <a:fillRef idx="0">
+            <a:schemeClr val="dk1"/>
+          </a:fillRef>
+          <a:effectRef idx="0">
+            <a:schemeClr val="dk1"/>
+          </a:effectRef>
+          <a:fontRef idx="minor">
+            <a:schemeClr val="tx1"/>
+          </a:fontRef>
+        </p:style>
+      </p:cxnSp>
+      <p:cxnSp>
+        <p:nvCxnSpPr>
+          <p:cNvPr id="38" name="直接箭头连接符 37"/>
+          <p:cNvCxnSpPr/>
+          <p:nvPr/>
+        </p:nvCxnSpPr>
+        <p:spPr>
+          <a:xfrm>
+            <a:off x="7010400" y="2819400"/>
+            <a:ext cx="990600" cy="0"/>
+          </a:xfrm>
+          <a:prstGeom prst="straightConnector1">
+            <a:avLst/>
+          </a:prstGeom>
+          <a:ln>
+            <a:tailEnd type="arrow"/>
+          </a:ln>
+        </p:spPr>
+        <p:style>
+          <a:lnRef idx="1">
+            <a:schemeClr val="dk1"/>
+          </a:lnRef>
+          <a:fillRef idx="0">
+            <a:schemeClr val="dk1"/>
+          </a:fillRef>
+          <a:effectRef idx="0">
+            <a:schemeClr val="dk1"/>
+          </a:effectRef>
+          <a:fontRef idx="minor">
+            <a:schemeClr val="tx1"/>
+          </a:fontRef>
+        </p:style>
+      </p:cxnSp>
+      <p:cxnSp>
+        <p:nvCxnSpPr>
+          <p:cNvPr id="39" name="直接箭头连接符 38"/>
+          <p:cNvCxnSpPr/>
+          <p:nvPr/>
+        </p:nvCxnSpPr>
+        <p:spPr>
+          <a:xfrm>
+            <a:off x="7010400" y="3581400"/>
+            <a:ext cx="990600" cy="0"/>
+          </a:xfrm>
+          <a:prstGeom prst="straightConnector1">
+            <a:avLst/>
+          </a:prstGeom>
+          <a:ln>
+            <a:tailEnd type="arrow"/>
+          </a:ln>
+        </p:spPr>
+        <p:style>
+          <a:lnRef idx="1">
+            <a:schemeClr val="dk1"/>
+          </a:lnRef>
+          <a:fillRef idx="0">
+            <a:schemeClr val="dk1"/>
+          </a:fillRef>
+          <a:effectRef idx="0">
+            <a:schemeClr val="dk1"/>
+          </a:effectRef>
+          <a:fontRef idx="minor">
+            <a:schemeClr val="tx1"/>
+          </a:fontRef>
+        </p:style>
+      </p:cxnSp>
+      <p:cxnSp>
+        <p:nvCxnSpPr>
+          <p:cNvPr id="40" name="直接箭头连接符 39"/>
+          <p:cNvCxnSpPr/>
+          <p:nvPr/>
+        </p:nvCxnSpPr>
+        <p:spPr>
+          <a:xfrm>
+            <a:off x="7010400" y="4267200"/>
+            <a:ext cx="990600" cy="0"/>
+          </a:xfrm>
+          <a:prstGeom prst="straightConnector1">
+            <a:avLst/>
+          </a:prstGeom>
+          <a:ln>
+            <a:tailEnd type="arrow"/>
+          </a:ln>
+        </p:spPr>
+        <p:style>
+          <a:lnRef idx="1">
+            <a:schemeClr val="dk1"/>
+          </a:lnRef>
+          <a:fillRef idx="0">
+            <a:schemeClr val="dk1"/>
+          </a:fillRef>
+          <a:effectRef idx="0">
+            <a:schemeClr val="dk1"/>
+          </a:effectRef>
+          <a:fontRef idx="minor">
+            <a:schemeClr val="tx1"/>
+          </a:fontRef>
+        </p:style>
+      </p:cxnSp>
+    </p:spTree>
+  </p:cSld>
+  <p:clrMapOvr>
+    <a:masterClrMapping/>
+  </p:clrMapOvr>
+</p:sld>
+</file>
+
 <file path=ppt/theme/theme1.xml><?xml version="1.0" encoding="utf-8"?>
 <a:theme xmlns:a="http://schemas.openxmlformats.org/drawingml/2006/main" name="Office Theme">
   <a:themeElements>
